--- a/Презентация.pptx
+++ b/Презентация.pptx
@@ -118,6 +118,11 @@
       </a:defRPr>
     </a:lvl9pPr>
   </p:defaultTextStyle>
+  <p:extLst>
+    <p:ext uri="{EFAFB233-063F-42B5-8137-9DF3F51BA10A}">
+      <p15:sldGuideLst xmlns:p15="http://schemas.microsoft.com/office/powerpoint/2012/main"/>
+    </p:ext>
+  </p:extLst>
 </p:presentation>
 </file>
 
@@ -313,7 +318,7 @@
             <a:fld id="{B61BEF0D-F0BB-DE4B-95CE-6DB70DBA9567}" type="datetimeFigureOut">
               <a:rPr lang="en-US" smtClean="0"/>
               <a:pPr/>
-              <a:t>5/5/2025</a:t>
+              <a:t>5/6/2025</a:t>
             </a:fld>
             <a:endParaRPr lang="en-US" dirty="0"/>
           </a:p>
@@ -751,7 +756,7 @@
             <a:fld id="{B61BEF0D-F0BB-DE4B-95CE-6DB70DBA9567}" type="datetimeFigureOut">
               <a:rPr lang="en-US" smtClean="0"/>
               <a:pPr/>
-              <a:t>5/5/2025</a:t>
+              <a:t>5/6/2025</a:t>
             </a:fld>
             <a:endParaRPr lang="en-US" dirty="0"/>
           </a:p>
@@ -1003,7 +1008,7 @@
             <a:fld id="{B61BEF0D-F0BB-DE4B-95CE-6DB70DBA9567}" type="datetimeFigureOut">
               <a:rPr lang="en-US" smtClean="0"/>
               <a:pPr/>
-              <a:t>5/5/2025</a:t>
+              <a:t>5/6/2025</a:t>
             </a:fld>
             <a:endParaRPr lang="en-US" dirty="0"/>
           </a:p>
@@ -1313,7 +1318,7 @@
             <a:fld id="{B61BEF0D-F0BB-DE4B-95CE-6DB70DBA9567}" type="datetimeFigureOut">
               <a:rPr lang="en-US" smtClean="0"/>
               <a:pPr/>
-              <a:t>5/5/2025</a:t>
+              <a:t>5/6/2025</a:t>
             </a:fld>
             <a:endParaRPr lang="en-US" dirty="0"/>
           </a:p>
@@ -1633,7 +1638,7 @@
             <a:fld id="{B61BEF0D-F0BB-DE4B-95CE-6DB70DBA9567}" type="datetimeFigureOut">
               <a:rPr lang="en-US" smtClean="0"/>
               <a:pPr/>
-              <a:t>5/5/2025</a:t>
+              <a:t>5/6/2025</a:t>
             </a:fld>
             <a:endParaRPr lang="en-US" dirty="0"/>
           </a:p>
@@ -1937,7 +1942,7 @@
             <a:fld id="{B61BEF0D-F0BB-DE4B-95CE-6DB70DBA9567}" type="datetimeFigureOut">
               <a:rPr lang="en-US" smtClean="0"/>
               <a:pPr/>
-              <a:t>5/5/2025</a:t>
+              <a:t>5/6/2025</a:t>
             </a:fld>
             <a:endParaRPr lang="en-US" dirty="0"/>
           </a:p>
@@ -2306,7 +2311,7 @@
             <a:fld id="{B61BEF0D-F0BB-DE4B-95CE-6DB70DBA9567}" type="datetimeFigureOut">
               <a:rPr lang="en-US" smtClean="0"/>
               <a:pPr/>
-              <a:t>5/5/2025</a:t>
+              <a:t>5/6/2025</a:t>
             </a:fld>
             <a:endParaRPr lang="en-US" dirty="0"/>
           </a:p>
@@ -2482,7 +2487,7 @@
             <a:fld id="{B61BEF0D-F0BB-DE4B-95CE-6DB70DBA9567}" type="datetimeFigureOut">
               <a:rPr lang="en-US" smtClean="0"/>
               <a:pPr/>
-              <a:t>5/5/2025</a:t>
+              <a:t>5/6/2025</a:t>
             </a:fld>
             <a:endParaRPr lang="en-US" dirty="0"/>
           </a:p>
@@ -2664,7 +2669,7 @@
             <a:fld id="{B61BEF0D-F0BB-DE4B-95CE-6DB70DBA9567}" type="datetimeFigureOut">
               <a:rPr lang="en-US" smtClean="0"/>
               <a:pPr/>
-              <a:t>5/5/2025</a:t>
+              <a:t>5/6/2025</a:t>
             </a:fld>
             <a:endParaRPr lang="en-US" dirty="0"/>
           </a:p>
@@ -2836,7 +2841,7 @@
             <a:fld id="{B61BEF0D-F0BB-DE4B-95CE-6DB70DBA9567}" type="datetimeFigureOut">
               <a:rPr lang="en-US" smtClean="0"/>
               <a:pPr/>
-              <a:t>5/5/2025</a:t>
+              <a:t>5/6/2025</a:t>
             </a:fld>
             <a:endParaRPr lang="en-US" dirty="0"/>
           </a:p>
@@ -3088,7 +3093,7 @@
             <a:fld id="{B61BEF0D-F0BB-DE4B-95CE-6DB70DBA9567}" type="datetimeFigureOut">
               <a:rPr lang="en-US" smtClean="0"/>
               <a:pPr/>
-              <a:t>5/5/2025</a:t>
+              <a:t>5/6/2025</a:t>
             </a:fld>
             <a:endParaRPr lang="en-US" dirty="0"/>
           </a:p>
@@ -3326,7 +3331,7 @@
             <a:fld id="{B61BEF0D-F0BB-DE4B-95CE-6DB70DBA9567}" type="datetimeFigureOut">
               <a:rPr lang="en-US" smtClean="0"/>
               <a:pPr/>
-              <a:t>5/5/2025</a:t>
+              <a:t>5/6/2025</a:t>
             </a:fld>
             <a:endParaRPr lang="en-US" dirty="0"/>
           </a:p>
@@ -3710,7 +3715,7 @@
             <a:fld id="{B61BEF0D-F0BB-DE4B-95CE-6DB70DBA9567}" type="datetimeFigureOut">
               <a:rPr lang="en-US" smtClean="0"/>
               <a:pPr/>
-              <a:t>5/5/2025</a:t>
+              <a:t>5/6/2025</a:t>
             </a:fld>
             <a:endParaRPr lang="en-US" dirty="0"/>
           </a:p>
@@ -3830,7 +3835,7 @@
             <a:fld id="{B61BEF0D-F0BB-DE4B-95CE-6DB70DBA9567}" type="datetimeFigureOut">
               <a:rPr lang="en-US" smtClean="0"/>
               <a:pPr/>
-              <a:t>5/5/2025</a:t>
+              <a:t>5/6/2025</a:t>
             </a:fld>
             <a:endParaRPr lang="en-US" dirty="0"/>
           </a:p>
@@ -3927,7 +3932,7 @@
             <a:fld id="{B61BEF0D-F0BB-DE4B-95CE-6DB70DBA9567}" type="datetimeFigureOut">
               <a:rPr lang="en-US" smtClean="0"/>
               <a:pPr/>
-              <a:t>5/5/2025</a:t>
+              <a:t>5/6/2025</a:t>
             </a:fld>
             <a:endParaRPr lang="en-US" dirty="0"/>
           </a:p>
@@ -4184,7 +4189,7 @@
             <a:fld id="{B61BEF0D-F0BB-DE4B-95CE-6DB70DBA9567}" type="datetimeFigureOut">
               <a:rPr lang="en-US" smtClean="0"/>
               <a:pPr/>
-              <a:t>5/5/2025</a:t>
+              <a:t>5/6/2025</a:t>
             </a:fld>
             <a:endParaRPr lang="en-US" dirty="0"/>
           </a:p>
@@ -4469,7 +4474,7 @@
             <a:fld id="{B61BEF0D-F0BB-DE4B-95CE-6DB70DBA9567}" type="datetimeFigureOut">
               <a:rPr lang="en-US" smtClean="0"/>
               <a:pPr/>
-              <a:t>5/5/2025</a:t>
+              <a:t>5/6/2025</a:t>
             </a:fld>
             <a:endParaRPr lang="en-US" dirty="0"/>
           </a:p>
@@ -4877,7 +4882,7 @@
             <a:fld id="{B61BEF0D-F0BB-DE4B-95CE-6DB70DBA9567}" type="datetimeFigureOut">
               <a:rPr lang="en-US" smtClean="0"/>
               <a:pPr/>
-              <a:t>5/5/2025</a:t>
+              <a:t>5/6/2025</a:t>
             </a:fld>
             <a:endParaRPr lang="en-US" dirty="0"/>
           </a:p>
@@ -6977,7 +6982,7 @@
         <p:spPr>
           <a:xfrm>
             <a:off x="1858084" y="2619449"/>
-            <a:ext cx="3112895" cy="1631216"/>
+            <a:ext cx="3112895" cy="2246769"/>
           </a:xfrm>
           <a:prstGeom prst="rect">
             <a:avLst/>
@@ -7016,10 +7021,10 @@
                 <a:ea typeface="Calibri" panose="020F0502020204030204" pitchFamily="34" charset="0"/>
                 <a:cs typeface="Calibri" panose="020F0502020204030204" pitchFamily="34" charset="0"/>
               </a:rPr>
-              <a:t> “</a:t>
-            </a:r>
-            <a:r>
-              <a:rPr lang="ru-RU" sz="2000" dirty="0" smtClean="0">
+              <a:t> </a:t>
+            </a:r>
+            <a:r>
+              <a:rPr lang="en-US" sz="2000" dirty="0" smtClean="0">
                 <a:solidFill>
                   <a:schemeClr val="bg1">
                     <a:lumMod val="95000"/>
@@ -7030,7 +7035,21 @@
                 <a:ea typeface="Calibri" panose="020F0502020204030204" pitchFamily="34" charset="0"/>
                 <a:cs typeface="Calibri" panose="020F0502020204030204" pitchFamily="34" charset="0"/>
               </a:rPr>
-              <a:t>карты</a:t>
+              <a:t>“</a:t>
+            </a:r>
+            <a:r>
+              <a:rPr lang="ru-RU" sz="2000" dirty="0" smtClean="0">
+                <a:solidFill>
+                  <a:schemeClr val="bg1">
+                    <a:lumMod val="95000"/>
+                    <a:lumOff val="5000"/>
+                  </a:schemeClr>
+                </a:solidFill>
+                <a:latin typeface="Calibri" panose="020F0502020204030204" pitchFamily="34" charset="0"/>
+                <a:ea typeface="Calibri" panose="020F0502020204030204" pitchFamily="34" charset="0"/>
+                <a:cs typeface="Calibri" panose="020F0502020204030204" pitchFamily="34" charset="0"/>
+              </a:rPr>
+              <a:t>Поиск ближайшего кинотеатра</a:t>
             </a:r>
             <a:r>
               <a:rPr lang="en-US" sz="2000" dirty="0" smtClean="0">
@@ -7058,7 +7077,21 @@
                 <a:ea typeface="Calibri" panose="020F0502020204030204" pitchFamily="34" charset="0"/>
                 <a:cs typeface="Calibri" panose="020F0502020204030204" pitchFamily="34" charset="0"/>
               </a:rPr>
-              <a:t> в навигационной панели, пользователю предлагается заполнить форму с адресом. </a:t>
+              <a:t> </a:t>
+            </a:r>
+            <a:r>
+              <a:rPr lang="ru-RU" sz="2000" dirty="0" smtClean="0">
+                <a:solidFill>
+                  <a:schemeClr val="bg1">
+                    <a:lumMod val="95000"/>
+                    <a:lumOff val="5000"/>
+                  </a:schemeClr>
+                </a:solidFill>
+                <a:latin typeface="Calibri" panose="020F0502020204030204" pitchFamily="34" charset="0"/>
+                <a:ea typeface="Calibri" panose="020F0502020204030204" pitchFamily="34" charset="0"/>
+                <a:cs typeface="Calibri" panose="020F0502020204030204" pitchFamily="34" charset="0"/>
+              </a:rPr>
+              <a:t>в навигационной панели, пользователю предлагается заполнить форму с адресом. </a:t>
             </a:r>
             <a:endParaRPr lang="ru-RU" sz="2000" b="0" i="0" dirty="0">
               <a:solidFill>
@@ -7386,17 +7419,6 @@
               </a:rPr>
               <a:t>”, “Пароль”, “Подтвердите пароль”. </a:t>
             </a:r>
-            <a:endParaRPr lang="ru-RU" dirty="0">
-              <a:solidFill>
-                <a:schemeClr val="bg1">
-                  <a:lumMod val="95000"/>
-                  <a:lumOff val="5000"/>
-                </a:schemeClr>
-              </a:solidFill>
-              <a:latin typeface="Calibri" panose="020F0502020204030204" pitchFamily="34" charset="0"/>
-              <a:ea typeface="Calibri" panose="020F0502020204030204" pitchFamily="34" charset="0"/>
-              <a:cs typeface="Calibri" panose="020F0502020204030204" pitchFamily="34" charset="0"/>
-            </a:endParaRPr>
           </a:p>
         </p:txBody>
       </p:sp>
